--- a/__lighting talk/eggplant-emoji.pptx
+++ b/__lighting talk/eggplant-emoji.pptx
@@ -5,19 +5,20 @@
     <p:sldMasterId id="2147483861" r:id="rId1"/>
   </p:sldMasterIdLst>
   <p:notesMasterIdLst>
-    <p:notesMasterId r:id="rId9"/>
+    <p:notesMasterId r:id="rId10"/>
   </p:notesMasterIdLst>
   <p:handoutMasterIdLst>
-    <p:handoutMasterId r:id="rId10"/>
+    <p:handoutMasterId r:id="rId11"/>
   </p:handoutMasterIdLst>
   <p:sldIdLst>
     <p:sldId id="257" r:id="rId2"/>
-    <p:sldId id="258" r:id="rId3"/>
-    <p:sldId id="263" r:id="rId4"/>
-    <p:sldId id="260" r:id="rId5"/>
-    <p:sldId id="259" r:id="rId6"/>
-    <p:sldId id="261" r:id="rId7"/>
-    <p:sldId id="264" r:id="rId8"/>
+    <p:sldId id="265" r:id="rId3"/>
+    <p:sldId id="258" r:id="rId4"/>
+    <p:sldId id="263" r:id="rId5"/>
+    <p:sldId id="260" r:id="rId6"/>
+    <p:sldId id="259" r:id="rId7"/>
+    <p:sldId id="261" r:id="rId8"/>
+    <p:sldId id="264" r:id="rId9"/>
   </p:sldIdLst>
   <p:sldSz cx="12192000" cy="6858000"/>
   <p:notesSz cx="6858000" cy="9144000"/>
@@ -10662,6 +10663,188 @@
 <file path=ppt/slides/slide2.xml><?xml version="1.0" encoding="utf-8"?>
 <p:sld xmlns:a="http://schemas.openxmlformats.org/drawingml/2006/main" xmlns:r="http://schemas.openxmlformats.org/officeDocument/2006/relationships" xmlns:p="http://schemas.openxmlformats.org/presentationml/2006/main">
   <p:cSld>
+    <p:spTree>
+      <p:nvGrpSpPr>
+        <p:cNvPr id="1" name=""/>
+        <p:cNvGrpSpPr/>
+        <p:nvPr/>
+      </p:nvGrpSpPr>
+      <p:grpSpPr>
+        <a:xfrm>
+          <a:off x="0" y="0"/>
+          <a:ext cx="0" cy="0"/>
+          <a:chOff x="0" y="0"/>
+          <a:chExt cx="0" cy="0"/>
+        </a:xfrm>
+      </p:grpSpPr>
+      <p:sp>
+        <p:nvSpPr>
+          <p:cNvPr id="2" name="Tytuł 1">
+            <a:extLst>
+              <a:ext uri="{FF2B5EF4-FFF2-40B4-BE49-F238E27FC236}">
+                <a16:creationId xmlns:a16="http://schemas.microsoft.com/office/drawing/2014/main" id="{286E7E3F-19D0-45E8-A4A5-CD84557F3BEE}"/>
+              </a:ext>
+            </a:extLst>
+          </p:cNvPr>
+          <p:cNvSpPr>
+            <a:spLocks noGrp="1"/>
+          </p:cNvSpPr>
+          <p:nvPr>
+            <p:ph type="title"/>
+          </p:nvPr>
+        </p:nvSpPr>
+        <p:spPr/>
+        <p:txBody>
+          <a:bodyPr/>
+          <a:lstStyle/>
+          <a:p>
+            <a:r>
+              <a:rPr lang="pl-PL" b="1" dirty="0"/>
+              <a:t>Idea</a:t>
+            </a:r>
+          </a:p>
+        </p:txBody>
+      </p:sp>
+      <p:pic>
+        <p:nvPicPr>
+          <p:cNvPr id="6" name="Obraz 5" descr="Obraz zawierający rysunek&#10;&#10;Opis wygenerowany automatycznie">
+            <a:extLst>
+              <a:ext uri="{FF2B5EF4-FFF2-40B4-BE49-F238E27FC236}">
+                <a16:creationId xmlns:a16="http://schemas.microsoft.com/office/drawing/2014/main" id="{0965C265-8B3D-4CC6-A258-C2E908087462}"/>
+              </a:ext>
+            </a:extLst>
+          </p:cNvPr>
+          <p:cNvPicPr>
+            <a:picLocks noChangeAspect="1"/>
+          </p:cNvPicPr>
+          <p:nvPr/>
+        </p:nvPicPr>
+        <p:blipFill>
+          <a:blip r:embed="rId2">
+            <a:extLst>
+              <a:ext uri="{28A0092B-C50C-407E-A947-70E740481C1C}">
+                <a14:useLocalDpi xmlns:a14="http://schemas.microsoft.com/office/drawing/2010/main" val="0"/>
+              </a:ext>
+            </a:extLst>
+          </a:blip>
+          <a:stretch>
+            <a:fillRect/>
+          </a:stretch>
+        </p:blipFill>
+        <p:spPr>
+          <a:xfrm>
+            <a:off x="2036308" y="1699225"/>
+            <a:ext cx="4044452" cy="4416641"/>
+          </a:xfrm>
+          <a:prstGeom prst="rect">
+            <a:avLst/>
+          </a:prstGeom>
+        </p:spPr>
+      </p:pic>
+      <p:sp>
+        <p:nvSpPr>
+          <p:cNvPr id="9" name="Dymek myśli: chmurka 8">
+            <a:extLst>
+              <a:ext uri="{FF2B5EF4-FFF2-40B4-BE49-F238E27FC236}">
+                <a16:creationId xmlns:a16="http://schemas.microsoft.com/office/drawing/2014/main" id="{BB06D4DE-73DC-482D-A81D-2D11145FFB89}"/>
+              </a:ext>
+            </a:extLst>
+          </p:cNvPr>
+          <p:cNvSpPr/>
+          <p:nvPr/>
+        </p:nvSpPr>
+        <p:spPr>
+          <a:xfrm rot="400727">
+            <a:off x="7214860" y="709394"/>
+            <a:ext cx="3834140" cy="2513131"/>
+          </a:xfrm>
+          <a:prstGeom prst="cloudCallout">
+            <a:avLst>
+              <a:gd name="adj1" fmla="val -79296"/>
+              <a:gd name="adj2" fmla="val 23636"/>
+            </a:avLst>
+          </a:prstGeom>
+          <a:solidFill>
+            <a:schemeClr val="bg1"/>
+          </a:solidFill>
+        </p:spPr>
+        <p:style>
+          <a:lnRef idx="2">
+            <a:schemeClr val="accent1">
+              <a:shade val="50000"/>
+            </a:schemeClr>
+          </a:lnRef>
+          <a:fillRef idx="1">
+            <a:schemeClr val="accent1"/>
+          </a:fillRef>
+          <a:effectRef idx="0">
+            <a:schemeClr val="accent1"/>
+          </a:effectRef>
+          <a:fontRef idx="minor">
+            <a:schemeClr val="lt1"/>
+          </a:fontRef>
+        </p:style>
+        <p:txBody>
+          <a:bodyPr rtlCol="0" anchor="ctr"/>
+          <a:lstStyle/>
+          <a:p>
+            <a:pPr algn="ctr"/>
+            <a:endParaRPr lang="pl-PL"/>
+          </a:p>
+        </p:txBody>
+      </p:sp>
+      <p:pic>
+        <p:nvPicPr>
+          <p:cNvPr id="14" name="Symbol zastępczy zawartości 5">
+            <a:extLst>
+              <a:ext uri="{FF2B5EF4-FFF2-40B4-BE49-F238E27FC236}">
+                <a16:creationId xmlns:a16="http://schemas.microsoft.com/office/drawing/2014/main" id="{57217BB1-059C-4A98-8A61-F783564E3AA4}"/>
+              </a:ext>
+            </a:extLst>
+          </p:cNvPr>
+          <p:cNvPicPr>
+            <a:picLocks noChangeAspect="1"/>
+          </p:cNvPicPr>
+          <p:nvPr/>
+        </p:nvPicPr>
+        <p:blipFill>
+          <a:blip r:embed="rId3">
+            <a:extLst>
+              <a:ext uri="{28A0092B-C50C-407E-A947-70E740481C1C}">
+                <a14:useLocalDpi xmlns:a14="http://schemas.microsoft.com/office/drawing/2010/main" val="0"/>
+              </a:ext>
+            </a:extLst>
+          </a:blip>
+          <a:stretch>
+            <a:fillRect/>
+          </a:stretch>
+        </p:blipFill>
+        <p:spPr>
+          <a:xfrm rot="20760565">
+            <a:off x="7727244" y="883602"/>
+            <a:ext cx="2719649" cy="1919943"/>
+          </a:xfrm>
+          <a:prstGeom prst="rect">
+            <a:avLst/>
+          </a:prstGeom>
+        </p:spPr>
+      </p:pic>
+    </p:spTree>
+    <p:extLst>
+      <p:ext uri="{BB962C8B-B14F-4D97-AF65-F5344CB8AC3E}">
+        <p14:creationId xmlns:p14="http://schemas.microsoft.com/office/powerpoint/2010/main" val="1075025510"/>
+      </p:ext>
+    </p:extLst>
+  </p:cSld>
+  <p:clrMapOvr>
+    <a:masterClrMapping/>
+  </p:clrMapOvr>
+</p:sld>
+</file>
+
+<file path=ppt/slides/slide3.xml><?xml version="1.0" encoding="utf-8"?>
+<p:sld xmlns:a="http://schemas.openxmlformats.org/drawingml/2006/main" xmlns:r="http://schemas.openxmlformats.org/officeDocument/2006/relationships" xmlns:p="http://schemas.openxmlformats.org/presentationml/2006/main">
+  <p:cSld>
     <p:bg>
       <p:bgPr>
         <a:solidFill>
@@ -11017,7 +11200,7 @@
 </p:sld>
 </file>
 
-<file path=ppt/slides/slide3.xml><?xml version="1.0" encoding="utf-8"?>
+<file path=ppt/slides/slide4.xml><?xml version="1.0" encoding="utf-8"?>
 <p:sld xmlns:a="http://schemas.openxmlformats.org/drawingml/2006/main" xmlns:r="http://schemas.openxmlformats.org/officeDocument/2006/relationships" xmlns:p="http://schemas.openxmlformats.org/presentationml/2006/main">
   <p:cSld>
     <p:spTree>
@@ -11367,7 +11550,7 @@
 </p:sld>
 </file>
 
-<file path=ppt/slides/slide4.xml><?xml version="1.0" encoding="utf-8"?>
+<file path=ppt/slides/slide5.xml><?xml version="1.0" encoding="utf-8"?>
 <p:sld xmlns:a="http://schemas.openxmlformats.org/drawingml/2006/main" xmlns:r="http://schemas.openxmlformats.org/officeDocument/2006/relationships" xmlns:p="http://schemas.openxmlformats.org/presentationml/2006/main">
   <p:cSld>
     <p:spTree>
@@ -11687,7 +11870,7 @@
 </p:sld>
 </file>
 
-<file path=ppt/slides/slide5.xml><?xml version="1.0" encoding="utf-8"?>
+<file path=ppt/slides/slide6.xml><?xml version="1.0" encoding="utf-8"?>
 <p:sld xmlns:a="http://schemas.openxmlformats.org/drawingml/2006/main" xmlns:r="http://schemas.openxmlformats.org/officeDocument/2006/relationships" xmlns:p="http://schemas.openxmlformats.org/presentationml/2006/main">
   <p:cSld>
     <p:bg>
@@ -12155,7 +12338,7 @@
 </p:sld>
 </file>
 
-<file path=ppt/slides/slide6.xml><?xml version="1.0" encoding="utf-8"?>
+<file path=ppt/slides/slide7.xml><?xml version="1.0" encoding="utf-8"?>
 <p:sld xmlns:a="http://schemas.openxmlformats.org/drawingml/2006/main" xmlns:r="http://schemas.openxmlformats.org/officeDocument/2006/relationships" xmlns:p="http://schemas.openxmlformats.org/presentationml/2006/main">
   <p:cSld>
     <p:spTree>
@@ -12393,7 +12576,7 @@
 </p:sld>
 </file>
 
-<file path=ppt/slides/slide7.xml><?xml version="1.0" encoding="utf-8"?>
+<file path=ppt/slides/slide8.xml><?xml version="1.0" encoding="utf-8"?>
 <p:sld xmlns:a="http://schemas.openxmlformats.org/drawingml/2006/main" xmlns:r="http://schemas.openxmlformats.org/officeDocument/2006/relationships" xmlns:p="http://schemas.openxmlformats.org/presentationml/2006/main">
   <p:cSld>
     <p:bg>
